--- a/Angular4Training.pptx
+++ b/Angular4Training.pptx
@@ -7,6 +7,7 @@
   <p:sldIdLst>
     <p:sldId id="256" r:id="rId2"/>
     <p:sldId id="257" r:id="rId3"/>
+    <p:sldId id="258" r:id="rId4"/>
   </p:sldIdLst>
   <p:sldSz cx="9144000" cy="6858000" type="screen4x3"/>
   <p:notesSz cx="6858000" cy="9144000"/>
@@ -3421,7 +3422,7 @@
         <p:spPr>
           <a:xfrm>
             <a:off x="838200" y="1892028"/>
-            <a:ext cx="6462090" cy="338554"/>
+            <a:ext cx="6490816" cy="3785652"/>
           </a:xfrm>
           <a:prstGeom prst="rect">
             <a:avLst/>
@@ -3435,13 +3436,150 @@
           <a:lstStyle/>
           <a:p>
             <a:r>
+              <a:rPr lang="en-US" sz="1600" dirty="0" smtClean="0"/>
+              <a:t>Transpiling – Convert typescript to JavaScript  like babel, typescript </a:t>
+            </a:r>
+            <a:r>
+              <a:rPr lang="en-US" sz="1600" dirty="0" smtClean="0"/>
+              <a:t>compiler</a:t>
+            </a:r>
+          </a:p>
+          <a:p>
+            <a:endParaRPr lang="en-US" sz="1600" dirty="0"/>
+          </a:p>
+          <a:p>
+            <a:pPr marL="285750" indent="-285750">
+              <a:buFontTx/>
+              <a:buChar char="-"/>
+            </a:pPr>
+            <a:r>
+              <a:rPr lang="en-US" sz="1600" dirty="0" smtClean="0"/>
+              <a:t>Angular is structural framework for dynamic  web apps</a:t>
+            </a:r>
+          </a:p>
+          <a:p>
+            <a:pPr marL="285750" indent="-285750">
+              <a:buFontTx/>
+              <a:buChar char="-"/>
+            </a:pPr>
+            <a:r>
+              <a:rPr lang="en-US" sz="1600" dirty="0" smtClean="0"/>
+              <a:t>Extend  html markups</a:t>
+            </a:r>
+          </a:p>
+          <a:p>
+            <a:pPr marL="285750" indent="-285750">
+              <a:buFontTx/>
+              <a:buChar char="-"/>
+            </a:pPr>
+            <a:r>
+              <a:rPr lang="en-US" sz="1600" dirty="0" smtClean="0"/>
+              <a:t>Es6+ features</a:t>
+            </a:r>
+          </a:p>
+          <a:p>
+            <a:pPr marL="285750" indent="-285750">
+              <a:buFontTx/>
+              <a:buChar char="-"/>
+            </a:pPr>
+            <a:r>
+              <a:rPr lang="en-US" sz="1600" dirty="0" smtClean="0"/>
+              <a:t>Type definition</a:t>
+            </a:r>
+          </a:p>
+          <a:p>
+            <a:pPr marL="285750" indent="-285750">
+              <a:buFontTx/>
+              <a:buChar char="-"/>
+            </a:pPr>
+            <a:endParaRPr lang="en-US" sz="1600" dirty="0"/>
+          </a:p>
+          <a:p>
+            <a:r>
+              <a:rPr lang="en-US" sz="1600" dirty="0" smtClean="0"/>
+              <a:t>TypeScript</a:t>
+            </a:r>
+          </a:p>
+          <a:p>
+            <a:pPr marL="285750" indent="-285750">
+              <a:buFontTx/>
+              <a:buChar char="-"/>
+            </a:pPr>
+            <a:r>
               <a:rPr lang="en-US" sz="1600" dirty="0" err="1" smtClean="0"/>
-              <a:t>Transpiling</a:t>
+              <a:t>Classess</a:t>
             </a:r>
             <a:r>
               <a:rPr lang="en-US" sz="1600" dirty="0" smtClean="0"/>
-              <a:t> – Convert typescript to JavaScript  like babel, typescript compiler</a:t>
-            </a:r>
+              <a:t> &amp; Inheritance</a:t>
+            </a:r>
+          </a:p>
+          <a:p>
+            <a:pPr marL="285750" indent="-285750">
+              <a:buFontTx/>
+              <a:buChar char="-"/>
+            </a:pPr>
+            <a:r>
+              <a:rPr lang="en-US" sz="1600" dirty="0" smtClean="0"/>
+              <a:t>Module system</a:t>
+            </a:r>
+          </a:p>
+          <a:p>
+            <a:pPr marL="285750" indent="-285750">
+              <a:buFontTx/>
+              <a:buChar char="-"/>
+            </a:pPr>
+            <a:r>
+              <a:rPr lang="en-US" sz="1600" dirty="0" smtClean="0"/>
+              <a:t>Arrow functions</a:t>
+            </a:r>
+          </a:p>
+          <a:p>
+            <a:pPr marL="285750" indent="-285750">
+              <a:buFontTx/>
+              <a:buChar char="-"/>
+            </a:pPr>
+            <a:r>
+              <a:rPr lang="en-US" sz="1600" dirty="0" smtClean="0"/>
+              <a:t>Template String</a:t>
+            </a:r>
+          </a:p>
+          <a:p>
+            <a:pPr marL="285750" indent="-285750">
+              <a:buFontTx/>
+              <a:buChar char="-"/>
+            </a:pPr>
+            <a:r>
+              <a:rPr lang="en-US" sz="1600" dirty="0" smtClean="0"/>
+              <a:t>Constants and block </a:t>
+            </a:r>
+            <a:r>
+              <a:rPr lang="en-US" sz="1600" dirty="0" err="1" smtClean="0"/>
+              <a:t>scopers</a:t>
+            </a:r>
+            <a:endParaRPr lang="en-US" sz="1600" dirty="0" smtClean="0"/>
+          </a:p>
+          <a:p>
+            <a:pPr marL="285750" indent="-285750">
+              <a:buFontTx/>
+              <a:buChar char="-"/>
+            </a:pPr>
+            <a:r>
+              <a:rPr lang="en-US" sz="1600" dirty="0" err="1" smtClean="0"/>
+              <a:t>Destructuring</a:t>
+            </a:r>
+            <a:endParaRPr lang="en-US" sz="1600" dirty="0" smtClean="0"/>
+          </a:p>
+          <a:p>
+            <a:pPr marL="285750" indent="-285750">
+              <a:buFontTx/>
+              <a:buChar char="-"/>
+            </a:pPr>
+            <a:r>
+              <a:rPr lang="en-US" sz="1600" dirty="0" smtClean="0"/>
+              <a:t>Spread and  Rest operations</a:t>
+            </a:r>
+            <a:endParaRPr lang="en-US" sz="1600" dirty="0" smtClean="0"/>
           </a:p>
         </p:txBody>
       </p:sp>
@@ -3449,6 +3587,148 @@
     <p:extLst>
       <p:ext uri="{BB962C8B-B14F-4D97-AF65-F5344CB8AC3E}">
         <p14:creationId xmlns:p14="http://schemas.microsoft.com/office/powerpoint/2010/main" val="2394692055"/>
+      </p:ext>
+    </p:extLst>
+  </p:cSld>
+  <p:clrMapOvr>
+    <a:masterClrMapping/>
+  </p:clrMapOvr>
+</p:sld>
+</file>
+
+<file path=ppt/slides/slide3.xml><?xml version="1.0" encoding="utf-8"?>
+<p:sld xmlns:a="http://schemas.openxmlformats.org/drawingml/2006/main" xmlns:r="http://schemas.openxmlformats.org/officeDocument/2006/relationships" xmlns:p="http://schemas.openxmlformats.org/presentationml/2006/main">
+  <p:cSld>
+    <p:spTree>
+      <p:nvGrpSpPr>
+        <p:cNvPr id="1" name=""/>
+        <p:cNvGrpSpPr/>
+        <p:nvPr/>
+      </p:nvGrpSpPr>
+      <p:grpSpPr>
+        <a:xfrm>
+          <a:off x="0" y="0"/>
+          <a:ext cx="0" cy="0"/>
+          <a:chOff x="0" y="0"/>
+          <a:chExt cx="0" cy="0"/>
+        </a:xfrm>
+      </p:grpSpPr>
+      <p:sp>
+        <p:nvSpPr>
+          <p:cNvPr id="2" name="TextBox 1"/>
+          <p:cNvSpPr txBox="1"/>
+          <p:nvPr/>
+        </p:nvSpPr>
+        <p:spPr>
+          <a:xfrm>
+            <a:off x="914400" y="685800"/>
+            <a:ext cx="5850063" cy="2800767"/>
+          </a:xfrm>
+          <a:prstGeom prst="rect">
+            <a:avLst/>
+          </a:prstGeom>
+          <a:noFill/>
+        </p:spPr>
+        <p:txBody>
+          <a:bodyPr wrap="none" rtlCol="0">
+            <a:spAutoFit/>
+          </a:bodyPr>
+          <a:lstStyle/>
+          <a:p>
+            <a:r>
+              <a:rPr lang="en-US" sz="1600" dirty="0" err="1" smtClean="0"/>
+              <a:t>npm</a:t>
+            </a:r>
+            <a:r>
+              <a:rPr lang="en-US" sz="1600" dirty="0" smtClean="0"/>
+              <a:t> install typescript</a:t>
+            </a:r>
+          </a:p>
+          <a:p>
+            <a:endParaRPr lang="en-US" sz="1600" dirty="0"/>
+          </a:p>
+          <a:p>
+            <a:pPr marL="285750" indent="-285750">
+              <a:buFontTx/>
+              <a:buChar char="-"/>
+            </a:pPr>
+            <a:r>
+              <a:rPr lang="en-US" sz="1600" dirty="0" err="1" smtClean="0"/>
+              <a:t>Tsc</a:t>
+            </a:r>
+            <a:r>
+              <a:rPr lang="en-US" sz="1600" dirty="0" smtClean="0"/>
+              <a:t>  </a:t>
+            </a:r>
+            <a:r>
+              <a:rPr lang="en-US" sz="1600" dirty="0" err="1" smtClean="0"/>
+              <a:t>app.ts</a:t>
+            </a:r>
+            <a:endParaRPr lang="en-US" sz="1600" dirty="0" smtClean="0"/>
+          </a:p>
+          <a:p>
+            <a:pPr marL="285750" indent="-285750">
+              <a:buFontTx/>
+              <a:buChar char="-"/>
+            </a:pPr>
+            <a:r>
+              <a:rPr lang="en-US" sz="1600" dirty="0" smtClean="0"/>
+              <a:t>Node app.js</a:t>
+            </a:r>
+          </a:p>
+          <a:p>
+            <a:endParaRPr lang="en-US" sz="1600" dirty="0"/>
+          </a:p>
+          <a:p>
+            <a:endParaRPr lang="en-US" sz="1600" dirty="0" smtClean="0"/>
+          </a:p>
+          <a:p>
+            <a:r>
+              <a:rPr lang="en-US" sz="1600" dirty="0" err="1" smtClean="0"/>
+              <a:t>Npm</a:t>
+            </a:r>
+            <a:r>
+              <a:rPr lang="en-US" sz="1600" dirty="0" smtClean="0"/>
+              <a:t> install @angular/cli@1.7  ( this will install angular version of  5)</a:t>
+            </a:r>
+          </a:p>
+          <a:p>
+            <a:endParaRPr lang="en-US" sz="1600" dirty="0"/>
+          </a:p>
+          <a:p>
+            <a:r>
+              <a:rPr lang="en-US" sz="1600" b="1" dirty="0" err="1" smtClean="0"/>
+              <a:t>Webpack</a:t>
+            </a:r>
+            <a:r>
+              <a:rPr lang="en-US" sz="1600" dirty="0" smtClean="0"/>
+              <a:t> to load the modules</a:t>
+            </a:r>
+          </a:p>
+          <a:p>
+            <a:r>
+              <a:rPr lang="en-US" sz="1600" b="1" dirty="0" smtClean="0"/>
+              <a:t>Observable</a:t>
+            </a:r>
+            <a:r>
+              <a:rPr lang="en-US" sz="1600" dirty="0" smtClean="0"/>
+              <a:t> – for callback – using </a:t>
+            </a:r>
+            <a:r>
+              <a:rPr lang="en-US" sz="1600" b="1" dirty="0" err="1" smtClean="0"/>
+              <a:t>rxjs</a:t>
+            </a:r>
+            <a:endParaRPr lang="en-US" sz="1600" b="1" dirty="0" smtClean="0"/>
+          </a:p>
+          <a:p>
+            <a:endParaRPr lang="en-US" sz="1600" dirty="0" smtClean="0"/>
+          </a:p>
+        </p:txBody>
+      </p:sp>
+    </p:spTree>
+    <p:extLst>
+      <p:ext uri="{BB962C8B-B14F-4D97-AF65-F5344CB8AC3E}">
+        <p14:creationId xmlns:p14="http://schemas.microsoft.com/office/powerpoint/2010/main" val="663645663"/>
       </p:ext>
     </p:extLst>
   </p:cSld>

--- a/Angular4Training.pptx
+++ b/Angular4Training.pptx
@@ -3725,6 +3725,290 @@
           </a:p>
         </p:txBody>
       </p:sp>
+      <p:sp>
+        <p:nvSpPr>
+          <p:cNvPr id="3" name="Rectangle 2"/>
+          <p:cNvSpPr/>
+          <p:nvPr/>
+        </p:nvSpPr>
+        <p:spPr>
+          <a:xfrm>
+            <a:off x="1524000" y="3486567"/>
+            <a:ext cx="1295400" cy="399633"/>
+          </a:xfrm>
+          <a:prstGeom prst="rect">
+            <a:avLst/>
+          </a:prstGeom>
+        </p:spPr>
+        <p:style>
+          <a:lnRef idx="2">
+            <a:schemeClr val="accent1">
+              <a:shade val="50000"/>
+            </a:schemeClr>
+          </a:lnRef>
+          <a:fillRef idx="1">
+            <a:schemeClr val="accent1"/>
+          </a:fillRef>
+          <a:effectRef idx="0">
+            <a:schemeClr val="accent1"/>
+          </a:effectRef>
+          <a:fontRef idx="minor">
+            <a:schemeClr val="lt1"/>
+          </a:fontRef>
+        </p:style>
+        <p:txBody>
+          <a:bodyPr rtlCol="0" anchor="ctr"/>
+          <a:lstStyle/>
+          <a:p>
+            <a:pPr algn="ctr"/>
+            <a:r>
+              <a:rPr lang="en-US" sz="1600" dirty="0" smtClean="0"/>
+              <a:t>index</a:t>
+            </a:r>
+            <a:endParaRPr lang="en-US" sz="1600" dirty="0"/>
+          </a:p>
+        </p:txBody>
+      </p:sp>
+      <p:sp>
+        <p:nvSpPr>
+          <p:cNvPr id="4" name="Rectangle 3"/>
+          <p:cNvSpPr/>
+          <p:nvPr/>
+        </p:nvSpPr>
+        <p:spPr>
+          <a:xfrm>
+            <a:off x="1524000" y="4191000"/>
+            <a:ext cx="1295400" cy="399633"/>
+          </a:xfrm>
+          <a:prstGeom prst="rect">
+            <a:avLst/>
+          </a:prstGeom>
+        </p:spPr>
+        <p:style>
+          <a:lnRef idx="2">
+            <a:schemeClr val="accent1">
+              <a:shade val="50000"/>
+            </a:schemeClr>
+          </a:lnRef>
+          <a:fillRef idx="1">
+            <a:schemeClr val="accent1"/>
+          </a:fillRef>
+          <a:effectRef idx="0">
+            <a:schemeClr val="accent1"/>
+          </a:effectRef>
+          <a:fontRef idx="minor">
+            <a:schemeClr val="lt1"/>
+          </a:fontRef>
+        </p:style>
+        <p:txBody>
+          <a:bodyPr rtlCol="0" anchor="ctr"/>
+          <a:lstStyle/>
+          <a:p>
+            <a:pPr algn="ctr"/>
+            <a:r>
+              <a:rPr lang="en-US" sz="1600" dirty="0" smtClean="0"/>
+              <a:t>main</a:t>
+            </a:r>
+            <a:endParaRPr lang="en-US" sz="1600" dirty="0"/>
+          </a:p>
+        </p:txBody>
+      </p:sp>
+      <p:sp>
+        <p:nvSpPr>
+          <p:cNvPr id="5" name="Rectangle 4"/>
+          <p:cNvSpPr/>
+          <p:nvPr/>
+        </p:nvSpPr>
+        <p:spPr>
+          <a:xfrm>
+            <a:off x="1524000" y="4876800"/>
+            <a:ext cx="1295400" cy="399633"/>
+          </a:xfrm>
+          <a:prstGeom prst="rect">
+            <a:avLst/>
+          </a:prstGeom>
+        </p:spPr>
+        <p:style>
+          <a:lnRef idx="2">
+            <a:schemeClr val="accent1">
+              <a:shade val="50000"/>
+            </a:schemeClr>
+          </a:lnRef>
+          <a:fillRef idx="1">
+            <a:schemeClr val="accent1"/>
+          </a:fillRef>
+          <a:effectRef idx="0">
+            <a:schemeClr val="accent1"/>
+          </a:effectRef>
+          <a:fontRef idx="minor">
+            <a:schemeClr val="lt1"/>
+          </a:fontRef>
+        </p:style>
+        <p:txBody>
+          <a:bodyPr rtlCol="0" anchor="ctr"/>
+          <a:lstStyle/>
+          <a:p>
+            <a:pPr algn="ctr"/>
+            <a:r>
+              <a:rPr lang="en-US" sz="1600" dirty="0" smtClean="0"/>
+              <a:t>module</a:t>
+            </a:r>
+            <a:endParaRPr lang="en-US" sz="1600" dirty="0"/>
+          </a:p>
+        </p:txBody>
+      </p:sp>
+      <p:sp>
+        <p:nvSpPr>
+          <p:cNvPr id="6" name="Rectangle 5"/>
+          <p:cNvSpPr/>
+          <p:nvPr/>
+        </p:nvSpPr>
+        <p:spPr>
+          <a:xfrm>
+            <a:off x="1524000" y="5638800"/>
+            <a:ext cx="1295400" cy="399633"/>
+          </a:xfrm>
+          <a:prstGeom prst="rect">
+            <a:avLst/>
+          </a:prstGeom>
+        </p:spPr>
+        <p:style>
+          <a:lnRef idx="2">
+            <a:schemeClr val="accent1">
+              <a:shade val="50000"/>
+            </a:schemeClr>
+          </a:lnRef>
+          <a:fillRef idx="1">
+            <a:schemeClr val="accent1"/>
+          </a:fillRef>
+          <a:effectRef idx="0">
+            <a:schemeClr val="accent1"/>
+          </a:effectRef>
+          <a:fontRef idx="minor">
+            <a:schemeClr val="lt1"/>
+          </a:fontRef>
+        </p:style>
+        <p:txBody>
+          <a:bodyPr rtlCol="0" anchor="ctr"/>
+          <a:lstStyle/>
+          <a:p>
+            <a:pPr algn="ctr"/>
+            <a:r>
+              <a:rPr lang="en-US" sz="1600" dirty="0" smtClean="0"/>
+              <a:t>component</a:t>
+            </a:r>
+            <a:endParaRPr lang="en-US" sz="1600" dirty="0"/>
+          </a:p>
+        </p:txBody>
+      </p:sp>
+      <p:cxnSp>
+        <p:nvCxnSpPr>
+          <p:cNvPr id="8" name="Straight Arrow Connector 7"/>
+          <p:cNvCxnSpPr>
+            <a:stCxn id="3" idx="2"/>
+            <a:endCxn id="4" idx="0"/>
+          </p:cNvCxnSpPr>
+          <p:nvPr/>
+        </p:nvCxnSpPr>
+        <p:spPr>
+          <a:xfrm>
+            <a:off x="2171700" y="3886200"/>
+            <a:ext cx="0" cy="304800"/>
+          </a:xfrm>
+          <a:prstGeom prst="straightConnector1">
+            <a:avLst/>
+          </a:prstGeom>
+          <a:ln>
+            <a:tailEnd type="arrow"/>
+          </a:ln>
+        </p:spPr>
+        <p:style>
+          <a:lnRef idx="1">
+            <a:schemeClr val="accent1"/>
+          </a:lnRef>
+          <a:fillRef idx="0">
+            <a:schemeClr val="accent1"/>
+          </a:fillRef>
+          <a:effectRef idx="0">
+            <a:schemeClr val="accent1"/>
+          </a:effectRef>
+          <a:fontRef idx="minor">
+            <a:schemeClr val="tx1"/>
+          </a:fontRef>
+        </p:style>
+      </p:cxnSp>
+      <p:cxnSp>
+        <p:nvCxnSpPr>
+          <p:cNvPr id="10" name="Straight Arrow Connector 9"/>
+          <p:cNvCxnSpPr>
+            <a:stCxn id="4" idx="2"/>
+            <a:endCxn id="5" idx="0"/>
+          </p:cNvCxnSpPr>
+          <p:nvPr/>
+        </p:nvCxnSpPr>
+        <p:spPr>
+          <a:xfrm>
+            <a:off x="2171700" y="4590633"/>
+            <a:ext cx="0" cy="286167"/>
+          </a:xfrm>
+          <a:prstGeom prst="straightConnector1">
+            <a:avLst/>
+          </a:prstGeom>
+          <a:ln>
+            <a:tailEnd type="arrow"/>
+          </a:ln>
+        </p:spPr>
+        <p:style>
+          <a:lnRef idx="1">
+            <a:schemeClr val="accent1"/>
+          </a:lnRef>
+          <a:fillRef idx="0">
+            <a:schemeClr val="accent1"/>
+          </a:fillRef>
+          <a:effectRef idx="0">
+            <a:schemeClr val="accent1"/>
+          </a:effectRef>
+          <a:fontRef idx="minor">
+            <a:schemeClr val="tx1"/>
+          </a:fontRef>
+        </p:style>
+      </p:cxnSp>
+      <p:cxnSp>
+        <p:nvCxnSpPr>
+          <p:cNvPr id="12" name="Straight Arrow Connector 11"/>
+          <p:cNvCxnSpPr>
+            <a:stCxn id="5" idx="2"/>
+            <a:endCxn id="6" idx="0"/>
+          </p:cNvCxnSpPr>
+          <p:nvPr/>
+        </p:nvCxnSpPr>
+        <p:spPr>
+          <a:xfrm>
+            <a:off x="2171700" y="5276433"/>
+            <a:ext cx="0" cy="362367"/>
+          </a:xfrm>
+          <a:prstGeom prst="straightConnector1">
+            <a:avLst/>
+          </a:prstGeom>
+          <a:ln>
+            <a:tailEnd type="arrow"/>
+          </a:ln>
+        </p:spPr>
+        <p:style>
+          <a:lnRef idx="1">
+            <a:schemeClr val="accent1"/>
+          </a:lnRef>
+          <a:fillRef idx="0">
+            <a:schemeClr val="accent1"/>
+          </a:fillRef>
+          <a:effectRef idx="0">
+            <a:schemeClr val="accent1"/>
+          </a:effectRef>
+          <a:fontRef idx="minor">
+            <a:schemeClr val="tx1"/>
+          </a:fontRef>
+        </p:style>
+      </p:cxnSp>
     </p:spTree>
     <p:extLst>
       <p:ext uri="{BB962C8B-B14F-4D97-AF65-F5344CB8AC3E}">

--- a/Angular4Training.pptx
+++ b/Angular4Training.pptx
@@ -8,6 +8,7 @@
     <p:sldId id="256" r:id="rId2"/>
     <p:sldId id="257" r:id="rId3"/>
     <p:sldId id="258" r:id="rId4"/>
+    <p:sldId id="259" r:id="rId5"/>
   </p:sldIdLst>
   <p:sldSz cx="9144000" cy="6858000" type="screen4x3"/>
   <p:notesSz cx="6858000" cy="9144000"/>
@@ -4013,6 +4014,83 @@
     <p:extLst>
       <p:ext uri="{BB962C8B-B14F-4D97-AF65-F5344CB8AC3E}">
         <p14:creationId xmlns:p14="http://schemas.microsoft.com/office/powerpoint/2010/main" val="663645663"/>
+      </p:ext>
+    </p:extLst>
+  </p:cSld>
+  <p:clrMapOvr>
+    <a:masterClrMapping/>
+  </p:clrMapOvr>
+</p:sld>
+</file>
+
+<file path=ppt/slides/slide4.xml><?xml version="1.0" encoding="utf-8"?>
+<p:sld xmlns:a="http://schemas.openxmlformats.org/drawingml/2006/main" xmlns:r="http://schemas.openxmlformats.org/officeDocument/2006/relationships" xmlns:p="http://schemas.openxmlformats.org/presentationml/2006/main">
+  <p:cSld>
+    <p:spTree>
+      <p:nvGrpSpPr>
+        <p:cNvPr id="1" name=""/>
+        <p:cNvGrpSpPr/>
+        <p:nvPr/>
+      </p:nvGrpSpPr>
+      <p:grpSpPr>
+        <a:xfrm>
+          <a:off x="0" y="0"/>
+          <a:ext cx="0" cy="0"/>
+          <a:chOff x="0" y="0"/>
+          <a:chExt cx="0" cy="0"/>
+        </a:xfrm>
+      </p:grpSpPr>
+      <p:sp>
+        <p:nvSpPr>
+          <p:cNvPr id="2" name="TextBox 1"/>
+          <p:cNvSpPr txBox="1"/>
+          <p:nvPr/>
+        </p:nvSpPr>
+        <p:spPr>
+          <a:xfrm>
+            <a:off x="838200" y="698212"/>
+            <a:ext cx="2590800" cy="830997"/>
+          </a:xfrm>
+          <a:prstGeom prst="rect">
+            <a:avLst/>
+          </a:prstGeom>
+          <a:noFill/>
+        </p:spPr>
+        <p:txBody>
+          <a:bodyPr wrap="square" rtlCol="0">
+            <a:spAutoFit/>
+          </a:bodyPr>
+          <a:lstStyle/>
+          <a:p>
+            <a:pPr marL="285750" indent="-285750">
+              <a:buFontTx/>
+              <a:buChar char="-"/>
+            </a:pPr>
+            <a:r>
+              <a:rPr lang="en-US" sz="1600" dirty="0" smtClean="0"/>
+              <a:t>Angular Environment</a:t>
+            </a:r>
+          </a:p>
+          <a:p>
+            <a:pPr marL="285750" indent="-285750">
+              <a:buFontTx/>
+              <a:buChar char="-"/>
+            </a:pPr>
+            <a:r>
+              <a:rPr lang="en-US" sz="1600" smtClean="0"/>
+              <a:t>Component</a:t>
+            </a:r>
+            <a:endParaRPr lang="en-US" sz="1600" dirty="0" smtClean="0"/>
+          </a:p>
+          <a:p>
+            <a:endParaRPr lang="en-US" sz="1600" dirty="0" smtClean="0"/>
+          </a:p>
+        </p:txBody>
+      </p:sp>
+    </p:spTree>
+    <p:extLst>
+      <p:ext uri="{BB962C8B-B14F-4D97-AF65-F5344CB8AC3E}">
+        <p14:creationId xmlns:p14="http://schemas.microsoft.com/office/powerpoint/2010/main" val="1675185153"/>
       </p:ext>
     </p:extLst>
   </p:cSld>
